--- a/resources/ppt-slides/control-flow-if-else-statement.pptx
+++ b/resources/ppt-slides/control-flow-if-else-statement.pptx
@@ -249,7 +249,7 @@
           <a:p>
             <a:fld id="{964302DC-9F53-934F-AE4D-0F1F197008C1}" type="datetimeFigureOut">
               <a:rPr lang="en-US" smtClean="0"/>
-              <a:t>2/2/24</a:t>
+              <a:t>2/9/24</a:t>
             </a:fld>
             <a:endParaRPr lang="en-US"/>
           </a:p>
@@ -419,7 +419,7 @@
           <a:p>
             <a:fld id="{964302DC-9F53-934F-AE4D-0F1F197008C1}" type="datetimeFigureOut">
               <a:rPr lang="en-US" smtClean="0"/>
-              <a:t>2/2/24</a:t>
+              <a:t>2/9/24</a:t>
             </a:fld>
             <a:endParaRPr lang="en-US"/>
           </a:p>
@@ -599,7 +599,7 @@
           <a:p>
             <a:fld id="{964302DC-9F53-934F-AE4D-0F1F197008C1}" type="datetimeFigureOut">
               <a:rPr lang="en-US" smtClean="0"/>
-              <a:t>2/2/24</a:t>
+              <a:t>2/9/24</a:t>
             </a:fld>
             <a:endParaRPr lang="en-US"/>
           </a:p>
@@ -769,7 +769,7 @@
           <a:p>
             <a:fld id="{964302DC-9F53-934F-AE4D-0F1F197008C1}" type="datetimeFigureOut">
               <a:rPr lang="en-US" smtClean="0"/>
-              <a:t>2/2/24</a:t>
+              <a:t>2/9/24</a:t>
             </a:fld>
             <a:endParaRPr lang="en-US"/>
           </a:p>
@@ -1015,7 +1015,7 @@
           <a:p>
             <a:fld id="{964302DC-9F53-934F-AE4D-0F1F197008C1}" type="datetimeFigureOut">
               <a:rPr lang="en-US" smtClean="0"/>
-              <a:t>2/2/24</a:t>
+              <a:t>2/9/24</a:t>
             </a:fld>
             <a:endParaRPr lang="en-US"/>
           </a:p>
@@ -1247,7 +1247,7 @@
           <a:p>
             <a:fld id="{964302DC-9F53-934F-AE4D-0F1F197008C1}" type="datetimeFigureOut">
               <a:rPr lang="en-US" smtClean="0"/>
-              <a:t>2/2/24</a:t>
+              <a:t>2/9/24</a:t>
             </a:fld>
             <a:endParaRPr lang="en-US"/>
           </a:p>
@@ -1614,7 +1614,7 @@
           <a:p>
             <a:fld id="{964302DC-9F53-934F-AE4D-0F1F197008C1}" type="datetimeFigureOut">
               <a:rPr lang="en-US" smtClean="0"/>
-              <a:t>2/2/24</a:t>
+              <a:t>2/9/24</a:t>
             </a:fld>
             <a:endParaRPr lang="en-US"/>
           </a:p>
@@ -1732,7 +1732,7 @@
           <a:p>
             <a:fld id="{964302DC-9F53-934F-AE4D-0F1F197008C1}" type="datetimeFigureOut">
               <a:rPr lang="en-US" smtClean="0"/>
-              <a:t>2/2/24</a:t>
+              <a:t>2/9/24</a:t>
             </a:fld>
             <a:endParaRPr lang="en-US"/>
           </a:p>
@@ -1827,7 +1827,7 @@
           <a:p>
             <a:fld id="{964302DC-9F53-934F-AE4D-0F1F197008C1}" type="datetimeFigureOut">
               <a:rPr lang="en-US" smtClean="0"/>
-              <a:t>2/2/24</a:t>
+              <a:t>2/9/24</a:t>
             </a:fld>
             <a:endParaRPr lang="en-US"/>
           </a:p>
@@ -2104,7 +2104,7 @@
           <a:p>
             <a:fld id="{964302DC-9F53-934F-AE4D-0F1F197008C1}" type="datetimeFigureOut">
               <a:rPr lang="en-US" smtClean="0"/>
-              <a:t>2/2/24</a:t>
+              <a:t>2/9/24</a:t>
             </a:fld>
             <a:endParaRPr lang="en-US"/>
           </a:p>
@@ -2361,7 +2361,7 @@
           <a:p>
             <a:fld id="{964302DC-9F53-934F-AE4D-0F1F197008C1}" type="datetimeFigureOut">
               <a:rPr lang="en-US" smtClean="0"/>
-              <a:t>2/2/24</a:t>
+              <a:t>2/9/24</a:t>
             </a:fld>
             <a:endParaRPr lang="en-US"/>
           </a:p>
@@ -2426,9 +2426,18 @@
 <p:sldMaster xmlns:a="http://schemas.openxmlformats.org/drawingml/2006/main" xmlns:r="http://schemas.openxmlformats.org/officeDocument/2006/relationships" xmlns:p="http://schemas.openxmlformats.org/presentationml/2006/main">
   <p:cSld>
     <p:bg>
-      <p:bgRef idx="1001">
-        <a:schemeClr val="bg1"/>
-      </p:bgRef>
+      <p:bgPr>
+        <a:blipFill dpi="0" rotWithShape="1">
+          <a:blip r:embed="rId13">
+            <a:lum/>
+          </a:blip>
+          <a:srcRect/>
+          <a:stretch>
+            <a:fillRect t="-4000" b="-4000"/>
+          </a:stretch>
+        </a:blipFill>
+        <a:effectLst/>
+      </p:bgPr>
     </p:bg>
     <p:spTree>
       <p:nvGrpSpPr>
@@ -2574,7 +2583,7 @@
           <a:p>
             <a:fld id="{964302DC-9F53-934F-AE4D-0F1F197008C1}" type="datetimeFigureOut">
               <a:rPr lang="en-US" smtClean="0"/>
-              <a:t>2/2/24</a:t>
+              <a:t>2/9/24</a:t>
             </a:fld>
             <a:endParaRPr lang="en-US"/>
           </a:p>
@@ -2965,20 +2974,6 @@
 <file path=ppt/slides/slide1.xml><?xml version="1.0" encoding="utf-8"?>
 <p:sld xmlns:a="http://schemas.openxmlformats.org/drawingml/2006/main" xmlns:r="http://schemas.openxmlformats.org/officeDocument/2006/relationships" xmlns:p="http://schemas.openxmlformats.org/presentationml/2006/main">
   <p:cSld>
-    <p:bg>
-      <p:bgPr>
-        <a:blipFill dpi="0" rotWithShape="1">
-          <a:blip r:embed="rId2">
-            <a:lum/>
-          </a:blip>
-          <a:srcRect/>
-          <a:stretch>
-            <a:fillRect t="-4000" b="-4000"/>
-          </a:stretch>
-        </a:blipFill>
-        <a:effectLst/>
-      </p:bgPr>
-    </p:bg>
     <p:spTree>
       <p:nvGrpSpPr>
         <p:cNvPr id="1" name=""/>
@@ -3048,7 +3043,7 @@
               <p:nvPr/>
             </p:nvPicPr>
             <p:blipFill>
-              <a:blip r:embed="rId3">
+              <a:blip r:embed="rId2">
                 <a:alphaModFix amt="30000"/>
               </a:blip>
               <a:stretch>
@@ -5183,7 +5178,7 @@
             <p:nvPr/>
           </p:nvPicPr>
           <p:blipFill>
-            <a:blip r:embed="rId4">
+            <a:blip r:embed="rId3">
               <a:alphaModFix/>
             </a:blip>
             <a:stretch>
@@ -5426,7 +5421,7 @@
                     </a:schemeClr>
                   </a:solidFill>
                 </a:rPr>
-                <a:t>  WriteLine("Good choice, C# is a fine language.");</a:t>
+                <a:t>    WriteLine("Good choice, C# is a fine language.");</a:t>
               </a:r>
             </a:p>
             <a:p>
@@ -5459,272 +5454,6 @@
                   </a:solidFill>
                 </a:rPr>
                 <a:t>else</a:t>
-              </a:r>
-            </a:p>
-          </p:txBody>
-        </p:sp>
-        <p:sp>
-          <p:nvSpPr>
-            <p:cNvPr id="69" name="Rectangle 68">
-              <a:extLst>
-                <a:ext uri="{FF2B5EF4-FFF2-40B4-BE49-F238E27FC236}">
-                  <a16:creationId xmlns:a16="http://schemas.microsoft.com/office/drawing/2014/main" id="{654C5CBD-7329-EC66-7F3A-79F1952DCABE}"/>
-                </a:ext>
-              </a:extLst>
-            </p:cNvPr>
-            <p:cNvSpPr/>
-            <p:nvPr/>
-          </p:nvSpPr>
-          <p:spPr>
-            <a:xfrm>
-              <a:off x="5034012" y="404048"/>
-              <a:ext cx="2127794" cy="1085065"/>
-            </a:xfrm>
-            <a:custGeom>
-              <a:avLst/>
-              <a:gdLst>
-                <a:gd name="connsiteX0" fmla="*/ 0 w 2127794"/>
-                <a:gd name="connsiteY0" fmla="*/ 0 h 1085065"/>
-                <a:gd name="connsiteX1" fmla="*/ 510671 w 2127794"/>
-                <a:gd name="connsiteY1" fmla="*/ 0 h 1085065"/>
-                <a:gd name="connsiteX2" fmla="*/ 1042619 w 2127794"/>
-                <a:gd name="connsiteY2" fmla="*/ 0 h 1085065"/>
-                <a:gd name="connsiteX3" fmla="*/ 1595846 w 2127794"/>
-                <a:gd name="connsiteY3" fmla="*/ 0 h 1085065"/>
-                <a:gd name="connsiteX4" fmla="*/ 2127794 w 2127794"/>
-                <a:gd name="connsiteY4" fmla="*/ 0 h 1085065"/>
-                <a:gd name="connsiteX5" fmla="*/ 2127794 w 2127794"/>
-                <a:gd name="connsiteY5" fmla="*/ 553383 h 1085065"/>
-                <a:gd name="connsiteX6" fmla="*/ 2127794 w 2127794"/>
-                <a:gd name="connsiteY6" fmla="*/ 1085065 h 1085065"/>
-                <a:gd name="connsiteX7" fmla="*/ 1553290 w 2127794"/>
-                <a:gd name="connsiteY7" fmla="*/ 1085065 h 1085065"/>
-                <a:gd name="connsiteX8" fmla="*/ 978785 w 2127794"/>
-                <a:gd name="connsiteY8" fmla="*/ 1085065 h 1085065"/>
-                <a:gd name="connsiteX9" fmla="*/ 0 w 2127794"/>
-                <a:gd name="connsiteY9" fmla="*/ 1085065 h 1085065"/>
-                <a:gd name="connsiteX10" fmla="*/ 0 w 2127794"/>
-                <a:gd name="connsiteY10" fmla="*/ 553383 h 1085065"/>
-                <a:gd name="connsiteX11" fmla="*/ 0 w 2127794"/>
-                <a:gd name="connsiteY11" fmla="*/ 0 h 1085065"/>
-              </a:gdLst>
-              <a:ahLst/>
-              <a:cxnLst>
-                <a:cxn ang="0">
-                  <a:pos x="connsiteX0" y="connsiteY0"/>
-                </a:cxn>
-                <a:cxn ang="0">
-                  <a:pos x="connsiteX1" y="connsiteY1"/>
-                </a:cxn>
-                <a:cxn ang="0">
-                  <a:pos x="connsiteX2" y="connsiteY2"/>
-                </a:cxn>
-                <a:cxn ang="0">
-                  <a:pos x="connsiteX3" y="connsiteY3"/>
-                </a:cxn>
-                <a:cxn ang="0">
-                  <a:pos x="connsiteX4" y="connsiteY4"/>
-                </a:cxn>
-                <a:cxn ang="0">
-                  <a:pos x="connsiteX5" y="connsiteY5"/>
-                </a:cxn>
-                <a:cxn ang="0">
-                  <a:pos x="connsiteX6" y="connsiteY6"/>
-                </a:cxn>
-                <a:cxn ang="0">
-                  <a:pos x="connsiteX7" y="connsiteY7"/>
-                </a:cxn>
-                <a:cxn ang="0">
-                  <a:pos x="connsiteX8" y="connsiteY8"/>
-                </a:cxn>
-                <a:cxn ang="0">
-                  <a:pos x="connsiteX9" y="connsiteY9"/>
-                </a:cxn>
-                <a:cxn ang="0">
-                  <a:pos x="connsiteX10" y="connsiteY10"/>
-                </a:cxn>
-                <a:cxn ang="0">
-                  <a:pos x="connsiteX11" y="connsiteY11"/>
-                </a:cxn>
-              </a:cxnLst>
-              <a:rect l="l" t="t" r="r" b="b"/>
-              <a:pathLst>
-                <a:path w="2127794" h="1085065" fill="none" extrusionOk="0">
-                  <a:moveTo>
-                    <a:pt x="0" y="0"/>
-                  </a:moveTo>
-                  <a:cubicBezTo>
-                    <a:pt x="119302" y="-23815"/>
-                    <a:pt x="321953" y="-4268"/>
-                    <a:pt x="510671" y="0"/>
-                  </a:cubicBezTo>
-                  <a:cubicBezTo>
-                    <a:pt x="699389" y="4268"/>
-                    <a:pt x="838789" y="907"/>
-                    <a:pt x="1042619" y="0"/>
-                  </a:cubicBezTo>
-                  <a:cubicBezTo>
-                    <a:pt x="1246449" y="-907"/>
-                    <a:pt x="1411197" y="-21334"/>
-                    <a:pt x="1595846" y="0"/>
-                  </a:cubicBezTo>
-                  <a:cubicBezTo>
-                    <a:pt x="1780495" y="21334"/>
-                    <a:pt x="1932912" y="7920"/>
-                    <a:pt x="2127794" y="0"/>
-                  </a:cubicBezTo>
-                  <a:cubicBezTo>
-                    <a:pt x="2127419" y="271704"/>
-                    <a:pt x="2137857" y="397892"/>
-                    <a:pt x="2127794" y="553383"/>
-                  </a:cubicBezTo>
-                  <a:cubicBezTo>
-                    <a:pt x="2117731" y="708874"/>
-                    <a:pt x="2106279" y="956975"/>
-                    <a:pt x="2127794" y="1085065"/>
-                  </a:cubicBezTo>
-                  <a:cubicBezTo>
-                    <a:pt x="1885798" y="1101516"/>
-                    <a:pt x="1702327" y="1081558"/>
-                    <a:pt x="1553290" y="1085065"/>
-                  </a:cubicBezTo>
-                  <a:cubicBezTo>
-                    <a:pt x="1404253" y="1088572"/>
-                    <a:pt x="1242606" y="1094387"/>
-                    <a:pt x="978785" y="1085065"/>
-                  </a:cubicBezTo>
-                  <a:cubicBezTo>
-                    <a:pt x="714965" y="1075743"/>
-                    <a:pt x="280424" y="1084092"/>
-                    <a:pt x="0" y="1085065"/>
-                  </a:cubicBezTo>
-                  <a:cubicBezTo>
-                    <a:pt x="-13849" y="960040"/>
-                    <a:pt x="-19899" y="725067"/>
-                    <a:pt x="0" y="553383"/>
-                  </a:cubicBezTo>
-                  <a:cubicBezTo>
-                    <a:pt x="19899" y="381699"/>
-                    <a:pt x="-3693" y="272116"/>
-                    <a:pt x="0" y="0"/>
-                  </a:cubicBezTo>
-                  <a:close/>
-                </a:path>
-                <a:path w="2127794" h="1085065" stroke="0" extrusionOk="0">
-                  <a:moveTo>
-                    <a:pt x="0" y="0"/>
-                  </a:moveTo>
-                  <a:cubicBezTo>
-                    <a:pt x="171248" y="-8495"/>
-                    <a:pt x="325453" y="21877"/>
-                    <a:pt x="510671" y="0"/>
-                  </a:cubicBezTo>
-                  <a:cubicBezTo>
-                    <a:pt x="695889" y="-21877"/>
-                    <a:pt x="809193" y="-10069"/>
-                    <a:pt x="978785" y="0"/>
-                  </a:cubicBezTo>
-                  <a:cubicBezTo>
-                    <a:pt x="1148377" y="10069"/>
-                    <a:pt x="1318885" y="9299"/>
-                    <a:pt x="1553290" y="0"/>
-                  </a:cubicBezTo>
-                  <a:cubicBezTo>
-                    <a:pt x="1787695" y="-9299"/>
-                    <a:pt x="2002069" y="-24687"/>
-                    <a:pt x="2127794" y="0"/>
-                  </a:cubicBezTo>
-                  <a:cubicBezTo>
-                    <a:pt x="2106314" y="169500"/>
-                    <a:pt x="2151272" y="285308"/>
-                    <a:pt x="2127794" y="531682"/>
-                  </a:cubicBezTo>
-                  <a:cubicBezTo>
-                    <a:pt x="2104316" y="778056"/>
-                    <a:pt x="2118402" y="967639"/>
-                    <a:pt x="2127794" y="1085065"/>
-                  </a:cubicBezTo>
-                  <a:cubicBezTo>
-                    <a:pt x="1964894" y="1061427"/>
-                    <a:pt x="1766987" y="1072900"/>
-                    <a:pt x="1595846" y="1085065"/>
-                  </a:cubicBezTo>
-                  <a:cubicBezTo>
-                    <a:pt x="1424705" y="1097230"/>
-                    <a:pt x="1145921" y="1082667"/>
-                    <a:pt x="1021341" y="1085065"/>
-                  </a:cubicBezTo>
-                  <a:cubicBezTo>
-                    <a:pt x="896762" y="1087463"/>
-                    <a:pt x="704333" y="1073542"/>
-                    <a:pt x="553226" y="1085065"/>
-                  </a:cubicBezTo>
-                  <a:cubicBezTo>
-                    <a:pt x="402120" y="1096588"/>
-                    <a:pt x="149634" y="1090117"/>
-                    <a:pt x="0" y="1085065"/>
-                  </a:cubicBezTo>
-                  <a:cubicBezTo>
-                    <a:pt x="21856" y="935562"/>
-                    <a:pt x="-26363" y="762075"/>
-                    <a:pt x="0" y="542533"/>
-                  </a:cubicBezTo>
-                  <a:cubicBezTo>
-                    <a:pt x="26363" y="322991"/>
-                    <a:pt x="24427" y="211558"/>
-                    <a:pt x="0" y="0"/>
-                  </a:cubicBezTo>
-                  <a:close/>
-                </a:path>
-              </a:pathLst>
-            </a:custGeom>
-            <a:solidFill>
-              <a:schemeClr val="accent4">
-                <a:lumMod val="60000"/>
-                <a:lumOff val="40000"/>
-              </a:schemeClr>
-            </a:solidFill>
-            <a:ln w="12700">
-              <a:solidFill>
-                <a:schemeClr val="tx1"/>
-              </a:solidFill>
-              <a:extLst>
-                <a:ext uri="{C807C97D-BFC1-408E-A445-0C87EB9F89A2}">
-                  <ask:lineSketchStyleProps xmlns:ask="http://schemas.microsoft.com/office/drawing/2018/sketchyshapes" sd="1219033472">
-                    <a:prstGeom prst="rect">
-                      <a:avLst/>
-                    </a:prstGeom>
-                    <ask:type>
-                      <ask:lineSketchFreehand/>
-                    </ask:type>
-                  </ask:lineSketchStyleProps>
-                </a:ext>
-              </a:extLst>
-            </a:ln>
-            <a:effectLst/>
-          </p:spPr>
-          <p:style>
-            <a:lnRef idx="1">
-              <a:schemeClr val="accent4"/>
-            </a:lnRef>
-            <a:fillRef idx="2">
-              <a:schemeClr val="accent4"/>
-            </a:fillRef>
-            <a:effectRef idx="1">
-              <a:schemeClr val="accent4"/>
-            </a:effectRef>
-            <a:fontRef idx="minor">
-              <a:schemeClr val="dk1"/>
-            </a:fontRef>
-          </p:style>
-          <p:txBody>
-            <a:bodyPr rtlCol="0" anchor="ctr"/>
-            <a:lstStyle/>
-            <a:p>
-              <a:pPr algn="ctr"/>
-              <a:r>
-                <a:rPr lang="en-US" sz="1600" dirty="0"/>
-                <a:t>Let's see what happens if the user inputs “C#”</a:t>
               </a:r>
             </a:p>
           </p:txBody>
@@ -5783,20 +5512,6 @@
 <file path=ppt/slides/slide2.xml><?xml version="1.0" encoding="utf-8"?>
 <p:sld xmlns:a="http://schemas.openxmlformats.org/drawingml/2006/main" xmlns:r="http://schemas.openxmlformats.org/officeDocument/2006/relationships" xmlns:p="http://schemas.openxmlformats.org/presentationml/2006/main">
   <p:cSld>
-    <p:bg>
-      <p:bgPr>
-        <a:blipFill dpi="0" rotWithShape="1">
-          <a:blip r:embed="rId2">
-            <a:lum/>
-          </a:blip>
-          <a:srcRect/>
-          <a:stretch>
-            <a:fillRect/>
-          </a:stretch>
-        </a:blipFill>
-        <a:effectLst/>
-      </p:bgPr>
-    </p:bg>
     <p:spTree>
       <p:nvGrpSpPr>
         <p:cNvPr id="1" name=""/>
@@ -5846,7 +5561,7 @@
             <p:nvPr/>
           </p:nvPicPr>
           <p:blipFill>
-            <a:blip r:embed="rId3">
+            <a:blip r:embed="rId2">
               <a:alphaModFix amt="30000"/>
             </a:blip>
             <a:stretch>
@@ -7981,7 +7696,7 @@
           <p:nvPr/>
         </p:nvPicPr>
         <p:blipFill>
-          <a:blip r:embed="rId4">
+          <a:blip r:embed="rId3">
             <a:alphaModFix/>
           </a:blip>
           <a:stretch>
@@ -8224,7 +7939,7 @@
             </a:pPr>
             <a:r>
               <a:rPr lang="en-US" sz="1600" dirty="0"/>
-              <a:t>  WriteLine("Good choice, C# is a fine language.");</a:t>
+              <a:t>    WriteLine("Good choice, C# is a fine language.");</a:t>
             </a:r>
           </a:p>
           <a:p>
@@ -8251,272 +7966,6 @@
                 </a:solidFill>
               </a:rPr>
               <a:t>else</a:t>
-            </a:r>
-          </a:p>
-        </p:txBody>
-      </p:sp>
-      <p:sp>
-        <p:nvSpPr>
-          <p:cNvPr id="69" name="Rectangle 68">
-            <a:extLst>
-              <a:ext uri="{FF2B5EF4-FFF2-40B4-BE49-F238E27FC236}">
-                <a16:creationId xmlns:a16="http://schemas.microsoft.com/office/drawing/2014/main" id="{654C5CBD-7329-EC66-7F3A-79F1952DCABE}"/>
-              </a:ext>
-            </a:extLst>
-          </p:cNvPr>
-          <p:cNvSpPr/>
-          <p:nvPr/>
-        </p:nvSpPr>
-        <p:spPr>
-          <a:xfrm>
-            <a:off x="4994190" y="634467"/>
-            <a:ext cx="2127794" cy="1085065"/>
-          </a:xfrm>
-          <a:custGeom>
-            <a:avLst/>
-            <a:gdLst>
-              <a:gd name="connsiteX0" fmla="*/ 0 w 2127794"/>
-              <a:gd name="connsiteY0" fmla="*/ 0 h 1085065"/>
-              <a:gd name="connsiteX1" fmla="*/ 510671 w 2127794"/>
-              <a:gd name="connsiteY1" fmla="*/ 0 h 1085065"/>
-              <a:gd name="connsiteX2" fmla="*/ 1042619 w 2127794"/>
-              <a:gd name="connsiteY2" fmla="*/ 0 h 1085065"/>
-              <a:gd name="connsiteX3" fmla="*/ 1595846 w 2127794"/>
-              <a:gd name="connsiteY3" fmla="*/ 0 h 1085065"/>
-              <a:gd name="connsiteX4" fmla="*/ 2127794 w 2127794"/>
-              <a:gd name="connsiteY4" fmla="*/ 0 h 1085065"/>
-              <a:gd name="connsiteX5" fmla="*/ 2127794 w 2127794"/>
-              <a:gd name="connsiteY5" fmla="*/ 553383 h 1085065"/>
-              <a:gd name="connsiteX6" fmla="*/ 2127794 w 2127794"/>
-              <a:gd name="connsiteY6" fmla="*/ 1085065 h 1085065"/>
-              <a:gd name="connsiteX7" fmla="*/ 1553290 w 2127794"/>
-              <a:gd name="connsiteY7" fmla="*/ 1085065 h 1085065"/>
-              <a:gd name="connsiteX8" fmla="*/ 978785 w 2127794"/>
-              <a:gd name="connsiteY8" fmla="*/ 1085065 h 1085065"/>
-              <a:gd name="connsiteX9" fmla="*/ 0 w 2127794"/>
-              <a:gd name="connsiteY9" fmla="*/ 1085065 h 1085065"/>
-              <a:gd name="connsiteX10" fmla="*/ 0 w 2127794"/>
-              <a:gd name="connsiteY10" fmla="*/ 553383 h 1085065"/>
-              <a:gd name="connsiteX11" fmla="*/ 0 w 2127794"/>
-              <a:gd name="connsiteY11" fmla="*/ 0 h 1085065"/>
-            </a:gdLst>
-            <a:ahLst/>
-            <a:cxnLst>
-              <a:cxn ang="0">
-                <a:pos x="connsiteX0" y="connsiteY0"/>
-              </a:cxn>
-              <a:cxn ang="0">
-                <a:pos x="connsiteX1" y="connsiteY1"/>
-              </a:cxn>
-              <a:cxn ang="0">
-                <a:pos x="connsiteX2" y="connsiteY2"/>
-              </a:cxn>
-              <a:cxn ang="0">
-                <a:pos x="connsiteX3" y="connsiteY3"/>
-              </a:cxn>
-              <a:cxn ang="0">
-                <a:pos x="connsiteX4" y="connsiteY4"/>
-              </a:cxn>
-              <a:cxn ang="0">
-                <a:pos x="connsiteX5" y="connsiteY5"/>
-              </a:cxn>
-              <a:cxn ang="0">
-                <a:pos x="connsiteX6" y="connsiteY6"/>
-              </a:cxn>
-              <a:cxn ang="0">
-                <a:pos x="connsiteX7" y="connsiteY7"/>
-              </a:cxn>
-              <a:cxn ang="0">
-                <a:pos x="connsiteX8" y="connsiteY8"/>
-              </a:cxn>
-              <a:cxn ang="0">
-                <a:pos x="connsiteX9" y="connsiteY9"/>
-              </a:cxn>
-              <a:cxn ang="0">
-                <a:pos x="connsiteX10" y="connsiteY10"/>
-              </a:cxn>
-              <a:cxn ang="0">
-                <a:pos x="connsiteX11" y="connsiteY11"/>
-              </a:cxn>
-            </a:cxnLst>
-            <a:rect l="l" t="t" r="r" b="b"/>
-            <a:pathLst>
-              <a:path w="2127794" h="1085065" fill="none" extrusionOk="0">
-                <a:moveTo>
-                  <a:pt x="0" y="0"/>
-                </a:moveTo>
-                <a:cubicBezTo>
-                  <a:pt x="119302" y="-23815"/>
-                  <a:pt x="321953" y="-4268"/>
-                  <a:pt x="510671" y="0"/>
-                </a:cubicBezTo>
-                <a:cubicBezTo>
-                  <a:pt x="699389" y="4268"/>
-                  <a:pt x="838789" y="907"/>
-                  <a:pt x="1042619" y="0"/>
-                </a:cubicBezTo>
-                <a:cubicBezTo>
-                  <a:pt x="1246449" y="-907"/>
-                  <a:pt x="1411197" y="-21334"/>
-                  <a:pt x="1595846" y="0"/>
-                </a:cubicBezTo>
-                <a:cubicBezTo>
-                  <a:pt x="1780495" y="21334"/>
-                  <a:pt x="1932912" y="7920"/>
-                  <a:pt x="2127794" y="0"/>
-                </a:cubicBezTo>
-                <a:cubicBezTo>
-                  <a:pt x="2127419" y="271704"/>
-                  <a:pt x="2137857" y="397892"/>
-                  <a:pt x="2127794" y="553383"/>
-                </a:cubicBezTo>
-                <a:cubicBezTo>
-                  <a:pt x="2117731" y="708874"/>
-                  <a:pt x="2106279" y="956975"/>
-                  <a:pt x="2127794" y="1085065"/>
-                </a:cubicBezTo>
-                <a:cubicBezTo>
-                  <a:pt x="1885798" y="1101516"/>
-                  <a:pt x="1702327" y="1081558"/>
-                  <a:pt x="1553290" y="1085065"/>
-                </a:cubicBezTo>
-                <a:cubicBezTo>
-                  <a:pt x="1404253" y="1088572"/>
-                  <a:pt x="1242606" y="1094387"/>
-                  <a:pt x="978785" y="1085065"/>
-                </a:cubicBezTo>
-                <a:cubicBezTo>
-                  <a:pt x="714965" y="1075743"/>
-                  <a:pt x="280424" y="1084092"/>
-                  <a:pt x="0" y="1085065"/>
-                </a:cubicBezTo>
-                <a:cubicBezTo>
-                  <a:pt x="-13849" y="960040"/>
-                  <a:pt x="-19899" y="725067"/>
-                  <a:pt x="0" y="553383"/>
-                </a:cubicBezTo>
-                <a:cubicBezTo>
-                  <a:pt x="19899" y="381699"/>
-                  <a:pt x="-3693" y="272116"/>
-                  <a:pt x="0" y="0"/>
-                </a:cubicBezTo>
-                <a:close/>
-              </a:path>
-              <a:path w="2127794" h="1085065" stroke="0" extrusionOk="0">
-                <a:moveTo>
-                  <a:pt x="0" y="0"/>
-                </a:moveTo>
-                <a:cubicBezTo>
-                  <a:pt x="171248" y="-8495"/>
-                  <a:pt x="325453" y="21877"/>
-                  <a:pt x="510671" y="0"/>
-                </a:cubicBezTo>
-                <a:cubicBezTo>
-                  <a:pt x="695889" y="-21877"/>
-                  <a:pt x="809193" y="-10069"/>
-                  <a:pt x="978785" y="0"/>
-                </a:cubicBezTo>
-                <a:cubicBezTo>
-                  <a:pt x="1148377" y="10069"/>
-                  <a:pt x="1318885" y="9299"/>
-                  <a:pt x="1553290" y="0"/>
-                </a:cubicBezTo>
-                <a:cubicBezTo>
-                  <a:pt x="1787695" y="-9299"/>
-                  <a:pt x="2002069" y="-24687"/>
-                  <a:pt x="2127794" y="0"/>
-                </a:cubicBezTo>
-                <a:cubicBezTo>
-                  <a:pt x="2106314" y="169500"/>
-                  <a:pt x="2151272" y="285308"/>
-                  <a:pt x="2127794" y="531682"/>
-                </a:cubicBezTo>
-                <a:cubicBezTo>
-                  <a:pt x="2104316" y="778056"/>
-                  <a:pt x="2118402" y="967639"/>
-                  <a:pt x="2127794" y="1085065"/>
-                </a:cubicBezTo>
-                <a:cubicBezTo>
-                  <a:pt x="1964894" y="1061427"/>
-                  <a:pt x="1766987" y="1072900"/>
-                  <a:pt x="1595846" y="1085065"/>
-                </a:cubicBezTo>
-                <a:cubicBezTo>
-                  <a:pt x="1424705" y="1097230"/>
-                  <a:pt x="1145921" y="1082667"/>
-                  <a:pt x="1021341" y="1085065"/>
-                </a:cubicBezTo>
-                <a:cubicBezTo>
-                  <a:pt x="896762" y="1087463"/>
-                  <a:pt x="704333" y="1073542"/>
-                  <a:pt x="553226" y="1085065"/>
-                </a:cubicBezTo>
-                <a:cubicBezTo>
-                  <a:pt x="402120" y="1096588"/>
-                  <a:pt x="149634" y="1090117"/>
-                  <a:pt x="0" y="1085065"/>
-                </a:cubicBezTo>
-                <a:cubicBezTo>
-                  <a:pt x="21856" y="935562"/>
-                  <a:pt x="-26363" y="762075"/>
-                  <a:pt x="0" y="542533"/>
-                </a:cubicBezTo>
-                <a:cubicBezTo>
-                  <a:pt x="26363" y="322991"/>
-                  <a:pt x="24427" y="211558"/>
-                  <a:pt x="0" y="0"/>
-                </a:cubicBezTo>
-                <a:close/>
-              </a:path>
-            </a:pathLst>
-          </a:custGeom>
-          <a:solidFill>
-            <a:schemeClr val="accent4">
-              <a:lumMod val="60000"/>
-              <a:lumOff val="40000"/>
-            </a:schemeClr>
-          </a:solidFill>
-          <a:ln w="12700">
-            <a:solidFill>
-              <a:schemeClr val="tx1"/>
-            </a:solidFill>
-            <a:extLst>
-              <a:ext uri="{C807C97D-BFC1-408E-A445-0C87EB9F89A2}">
-                <ask:lineSketchStyleProps xmlns:ask="http://schemas.microsoft.com/office/drawing/2018/sketchyshapes" sd="1219033472">
-                  <a:prstGeom prst="rect">
-                    <a:avLst/>
-                  </a:prstGeom>
-                  <ask:type>
-                    <ask:lineSketchFreehand/>
-                  </ask:type>
-                </ask:lineSketchStyleProps>
-              </a:ext>
-            </a:extLst>
-          </a:ln>
-          <a:effectLst/>
-        </p:spPr>
-        <p:style>
-          <a:lnRef idx="1">
-            <a:schemeClr val="accent4"/>
-          </a:lnRef>
-          <a:fillRef idx="2">
-            <a:schemeClr val="accent4"/>
-          </a:fillRef>
-          <a:effectRef idx="1">
-            <a:schemeClr val="accent4"/>
-          </a:effectRef>
-          <a:fontRef idx="minor">
-            <a:schemeClr val="dk1"/>
-          </a:fontRef>
-        </p:style>
-        <p:txBody>
-          <a:bodyPr rtlCol="0" anchor="ctr"/>
-          <a:lstStyle/>
-          <a:p>
-            <a:pPr algn="ctr"/>
-            <a:r>
-              <a:rPr lang="en-US" sz="1600" dirty="0"/>
-              <a:t>Let's see what happens if the user inputs “C#”</a:t>
             </a:r>
           </a:p>
         </p:txBody>
@@ -8609,20 +8058,6 @@
 <file path=ppt/slides/slide3.xml><?xml version="1.0" encoding="utf-8"?>
 <p:sld xmlns:a="http://schemas.openxmlformats.org/drawingml/2006/main" xmlns:r="http://schemas.openxmlformats.org/officeDocument/2006/relationships" xmlns:p="http://schemas.openxmlformats.org/presentationml/2006/main">
   <p:cSld>
-    <p:bg>
-      <p:bgPr>
-        <a:blipFill dpi="0" rotWithShape="1">
-          <a:blip r:embed="rId2">
-            <a:lum/>
-          </a:blip>
-          <a:srcRect/>
-          <a:stretch>
-            <a:fillRect/>
-          </a:stretch>
-        </a:blipFill>
-        <a:effectLst/>
-      </p:bgPr>
-    </p:bg>
     <p:spTree>
       <p:nvGrpSpPr>
         <p:cNvPr id="1" name=""/>
@@ -8672,7 +8107,7 @@
             <p:nvPr/>
           </p:nvPicPr>
           <p:blipFill>
-            <a:blip r:embed="rId3">
+            <a:blip r:embed="rId2">
               <a:alphaModFix amt="30000"/>
             </a:blip>
             <a:stretch>
@@ -10316,7 +9751,7 @@
           <p:nvPr/>
         </p:nvPicPr>
         <p:blipFill>
-          <a:blip r:embed="rId4">
+          <a:blip r:embed="rId3">
             <a:alphaModFix/>
           </a:blip>
           <a:stretch>
@@ -10487,7 +9922,7 @@
                   </a:schemeClr>
                 </a:solidFill>
               </a:rPr>
-              <a:t>  WriteLine("Good choice, C# is a fine language.");</a:t>
+              <a:t>    WriteLine("Good choice, C# is a fine language.");</a:t>
             </a:r>
             <a:endParaRPr lang="en-US" sz="1600" dirty="0"/>
           </a:p>
@@ -10556,7 +9991,7 @@
                   </a:schemeClr>
                 </a:solidFill>
               </a:rPr>
-              <a:t>  WriteLine("Well... good luck with that!");</a:t>
+              <a:t>    WriteLine("Well... good luck with that!");</a:t>
             </a:r>
           </a:p>
           <a:p>
@@ -11172,20 +10607,6 @@
 <file path=ppt/slides/slide4.xml><?xml version="1.0" encoding="utf-8"?>
 <p:sld xmlns:a="http://schemas.openxmlformats.org/drawingml/2006/main" xmlns:r="http://schemas.openxmlformats.org/officeDocument/2006/relationships" xmlns:p="http://schemas.openxmlformats.org/presentationml/2006/main">
   <p:cSld>
-    <p:bg>
-      <p:bgPr>
-        <a:blipFill dpi="0" rotWithShape="1">
-          <a:blip r:embed="rId2">
-            <a:lum/>
-          </a:blip>
-          <a:srcRect/>
-          <a:stretch>
-            <a:fillRect/>
-          </a:stretch>
-        </a:blipFill>
-        <a:effectLst/>
-      </p:bgPr>
-    </p:bg>
     <p:spTree>
       <p:nvGrpSpPr>
         <p:cNvPr id="1" name=""/>
@@ -11255,7 +10676,7 @@
               <p:nvPr/>
             </p:nvPicPr>
             <p:blipFill>
-              <a:blip r:embed="rId3">
+              <a:blip r:embed="rId2">
                 <a:alphaModFix amt="30000"/>
               </a:blip>
               <a:stretch>
@@ -12899,7 +12320,7 @@
             <p:nvPr/>
           </p:nvPicPr>
           <p:blipFill>
-            <a:blip r:embed="rId4">
+            <a:blip r:embed="rId3">
               <a:alphaModFix/>
             </a:blip>
             <a:stretch>
@@ -13070,7 +12491,7 @@
                     </a:schemeClr>
                   </a:solidFill>
                 </a:rPr>
-                <a:t>  WriteLine("Good choice, C# is a fine language.");</a:t>
+                <a:t>    WriteLine("Good choice, C# is a fine language.");</a:t>
               </a:r>
             </a:p>
             <a:p>
@@ -13134,7 +12555,7 @@
                     </a:schemeClr>
                   </a:solidFill>
                 </a:rPr>
-                <a:t>  WriteLine("Well... good luck with that!");</a:t>
+                <a:t>    WriteLine("Well... good luck with that!");</a:t>
               </a:r>
             </a:p>
             <a:p>
@@ -13786,20 +13207,6 @@
 <file path=ppt/slides/slide5.xml><?xml version="1.0" encoding="utf-8"?>
 <p:sld xmlns:a="http://schemas.openxmlformats.org/drawingml/2006/main" xmlns:r="http://schemas.openxmlformats.org/officeDocument/2006/relationships" xmlns:p="http://schemas.openxmlformats.org/presentationml/2006/main">
   <p:cSld>
-    <p:bg>
-      <p:bgPr>
-        <a:blipFill dpi="0" rotWithShape="1">
-          <a:blip r:embed="rId2">
-            <a:lum/>
-          </a:blip>
-          <a:srcRect/>
-          <a:stretch>
-            <a:fillRect/>
-          </a:stretch>
-        </a:blipFill>
-        <a:effectLst/>
-      </p:bgPr>
-    </p:bg>
     <p:spTree>
       <p:nvGrpSpPr>
         <p:cNvPr id="1" name=""/>
@@ -13849,7 +13256,7 @@
             <p:nvPr/>
           </p:nvPicPr>
           <p:blipFill>
-            <a:blip r:embed="rId3">
+            <a:blip r:embed="rId2">
               <a:alphaModFix amt="30000"/>
             </a:blip>
             <a:stretch>
@@ -15991,7 +15398,7 @@
           <p:nvPr/>
         </p:nvPicPr>
         <p:blipFill>
-          <a:blip r:embed="rId4">
+          <a:blip r:embed="rId3">
             <a:alphaModFix amt="30000"/>
           </a:blip>
           <a:stretch>
@@ -16156,7 +15563,7 @@
                   </a:schemeClr>
                 </a:solidFill>
               </a:rPr>
-              <a:t>  WriteLine("Good choice, C# is a fine language.");</a:t>
+              <a:t>    WriteLine("Good choice, C# is a fine language.");</a:t>
             </a:r>
           </a:p>
           <a:p>
@@ -16220,7 +15627,7 @@
                   </a:schemeClr>
                 </a:solidFill>
               </a:rPr>
-              <a:t>  WriteLine("Well... good luck with that!");</a:t>
+              <a:t>    WriteLine("Well... good luck with that!");</a:t>
             </a:r>
           </a:p>
           <a:p>
@@ -16294,272 +15701,6 @@
           </a:p>
         </p:txBody>
       </p:sp>
-      <p:sp>
-        <p:nvSpPr>
-          <p:cNvPr id="2" name="Rectangle 1">
-            <a:extLst>
-              <a:ext uri="{FF2B5EF4-FFF2-40B4-BE49-F238E27FC236}">
-                <a16:creationId xmlns:a16="http://schemas.microsoft.com/office/drawing/2014/main" id="{055D274F-C6F4-4AE8-0A8B-342FC331C94B}"/>
-              </a:ext>
-            </a:extLst>
-          </p:cNvPr>
-          <p:cNvSpPr/>
-          <p:nvPr/>
-        </p:nvSpPr>
-        <p:spPr>
-          <a:xfrm>
-            <a:off x="4994188" y="634467"/>
-            <a:ext cx="2127794" cy="1085065"/>
-          </a:xfrm>
-          <a:custGeom>
-            <a:avLst/>
-            <a:gdLst>
-              <a:gd name="connsiteX0" fmla="*/ 0 w 2127794"/>
-              <a:gd name="connsiteY0" fmla="*/ 0 h 1085065"/>
-              <a:gd name="connsiteX1" fmla="*/ 510671 w 2127794"/>
-              <a:gd name="connsiteY1" fmla="*/ 0 h 1085065"/>
-              <a:gd name="connsiteX2" fmla="*/ 1042619 w 2127794"/>
-              <a:gd name="connsiteY2" fmla="*/ 0 h 1085065"/>
-              <a:gd name="connsiteX3" fmla="*/ 1595846 w 2127794"/>
-              <a:gd name="connsiteY3" fmla="*/ 0 h 1085065"/>
-              <a:gd name="connsiteX4" fmla="*/ 2127794 w 2127794"/>
-              <a:gd name="connsiteY4" fmla="*/ 0 h 1085065"/>
-              <a:gd name="connsiteX5" fmla="*/ 2127794 w 2127794"/>
-              <a:gd name="connsiteY5" fmla="*/ 553383 h 1085065"/>
-              <a:gd name="connsiteX6" fmla="*/ 2127794 w 2127794"/>
-              <a:gd name="connsiteY6" fmla="*/ 1085065 h 1085065"/>
-              <a:gd name="connsiteX7" fmla="*/ 1553290 w 2127794"/>
-              <a:gd name="connsiteY7" fmla="*/ 1085065 h 1085065"/>
-              <a:gd name="connsiteX8" fmla="*/ 978785 w 2127794"/>
-              <a:gd name="connsiteY8" fmla="*/ 1085065 h 1085065"/>
-              <a:gd name="connsiteX9" fmla="*/ 0 w 2127794"/>
-              <a:gd name="connsiteY9" fmla="*/ 1085065 h 1085065"/>
-              <a:gd name="connsiteX10" fmla="*/ 0 w 2127794"/>
-              <a:gd name="connsiteY10" fmla="*/ 553383 h 1085065"/>
-              <a:gd name="connsiteX11" fmla="*/ 0 w 2127794"/>
-              <a:gd name="connsiteY11" fmla="*/ 0 h 1085065"/>
-            </a:gdLst>
-            <a:ahLst/>
-            <a:cxnLst>
-              <a:cxn ang="0">
-                <a:pos x="connsiteX0" y="connsiteY0"/>
-              </a:cxn>
-              <a:cxn ang="0">
-                <a:pos x="connsiteX1" y="connsiteY1"/>
-              </a:cxn>
-              <a:cxn ang="0">
-                <a:pos x="connsiteX2" y="connsiteY2"/>
-              </a:cxn>
-              <a:cxn ang="0">
-                <a:pos x="connsiteX3" y="connsiteY3"/>
-              </a:cxn>
-              <a:cxn ang="0">
-                <a:pos x="connsiteX4" y="connsiteY4"/>
-              </a:cxn>
-              <a:cxn ang="0">
-                <a:pos x="connsiteX5" y="connsiteY5"/>
-              </a:cxn>
-              <a:cxn ang="0">
-                <a:pos x="connsiteX6" y="connsiteY6"/>
-              </a:cxn>
-              <a:cxn ang="0">
-                <a:pos x="connsiteX7" y="connsiteY7"/>
-              </a:cxn>
-              <a:cxn ang="0">
-                <a:pos x="connsiteX8" y="connsiteY8"/>
-              </a:cxn>
-              <a:cxn ang="0">
-                <a:pos x="connsiteX9" y="connsiteY9"/>
-              </a:cxn>
-              <a:cxn ang="0">
-                <a:pos x="connsiteX10" y="connsiteY10"/>
-              </a:cxn>
-              <a:cxn ang="0">
-                <a:pos x="connsiteX11" y="connsiteY11"/>
-              </a:cxn>
-            </a:cxnLst>
-            <a:rect l="l" t="t" r="r" b="b"/>
-            <a:pathLst>
-              <a:path w="2127794" h="1085065" fill="none" extrusionOk="0">
-                <a:moveTo>
-                  <a:pt x="0" y="0"/>
-                </a:moveTo>
-                <a:cubicBezTo>
-                  <a:pt x="119302" y="-23815"/>
-                  <a:pt x="321953" y="-4268"/>
-                  <a:pt x="510671" y="0"/>
-                </a:cubicBezTo>
-                <a:cubicBezTo>
-                  <a:pt x="699389" y="4268"/>
-                  <a:pt x="838789" y="907"/>
-                  <a:pt x="1042619" y="0"/>
-                </a:cubicBezTo>
-                <a:cubicBezTo>
-                  <a:pt x="1246449" y="-907"/>
-                  <a:pt x="1411197" y="-21334"/>
-                  <a:pt x="1595846" y="0"/>
-                </a:cubicBezTo>
-                <a:cubicBezTo>
-                  <a:pt x="1780495" y="21334"/>
-                  <a:pt x="1932912" y="7920"/>
-                  <a:pt x="2127794" y="0"/>
-                </a:cubicBezTo>
-                <a:cubicBezTo>
-                  <a:pt x="2127419" y="271704"/>
-                  <a:pt x="2137857" y="397892"/>
-                  <a:pt x="2127794" y="553383"/>
-                </a:cubicBezTo>
-                <a:cubicBezTo>
-                  <a:pt x="2117731" y="708874"/>
-                  <a:pt x="2106279" y="956975"/>
-                  <a:pt x="2127794" y="1085065"/>
-                </a:cubicBezTo>
-                <a:cubicBezTo>
-                  <a:pt x="1885798" y="1101516"/>
-                  <a:pt x="1702327" y="1081558"/>
-                  <a:pt x="1553290" y="1085065"/>
-                </a:cubicBezTo>
-                <a:cubicBezTo>
-                  <a:pt x="1404253" y="1088572"/>
-                  <a:pt x="1242606" y="1094387"/>
-                  <a:pt x="978785" y="1085065"/>
-                </a:cubicBezTo>
-                <a:cubicBezTo>
-                  <a:pt x="714965" y="1075743"/>
-                  <a:pt x="280424" y="1084092"/>
-                  <a:pt x="0" y="1085065"/>
-                </a:cubicBezTo>
-                <a:cubicBezTo>
-                  <a:pt x="-13849" y="960040"/>
-                  <a:pt x="-19899" y="725067"/>
-                  <a:pt x="0" y="553383"/>
-                </a:cubicBezTo>
-                <a:cubicBezTo>
-                  <a:pt x="19899" y="381699"/>
-                  <a:pt x="-3693" y="272116"/>
-                  <a:pt x="0" y="0"/>
-                </a:cubicBezTo>
-                <a:close/>
-              </a:path>
-              <a:path w="2127794" h="1085065" stroke="0" extrusionOk="0">
-                <a:moveTo>
-                  <a:pt x="0" y="0"/>
-                </a:moveTo>
-                <a:cubicBezTo>
-                  <a:pt x="171248" y="-8495"/>
-                  <a:pt x="325453" y="21877"/>
-                  <a:pt x="510671" y="0"/>
-                </a:cubicBezTo>
-                <a:cubicBezTo>
-                  <a:pt x="695889" y="-21877"/>
-                  <a:pt x="809193" y="-10069"/>
-                  <a:pt x="978785" y="0"/>
-                </a:cubicBezTo>
-                <a:cubicBezTo>
-                  <a:pt x="1148377" y="10069"/>
-                  <a:pt x="1318885" y="9299"/>
-                  <a:pt x="1553290" y="0"/>
-                </a:cubicBezTo>
-                <a:cubicBezTo>
-                  <a:pt x="1787695" y="-9299"/>
-                  <a:pt x="2002069" y="-24687"/>
-                  <a:pt x="2127794" y="0"/>
-                </a:cubicBezTo>
-                <a:cubicBezTo>
-                  <a:pt x="2106314" y="169500"/>
-                  <a:pt x="2151272" y="285308"/>
-                  <a:pt x="2127794" y="531682"/>
-                </a:cubicBezTo>
-                <a:cubicBezTo>
-                  <a:pt x="2104316" y="778056"/>
-                  <a:pt x="2118402" y="967639"/>
-                  <a:pt x="2127794" y="1085065"/>
-                </a:cubicBezTo>
-                <a:cubicBezTo>
-                  <a:pt x="1964894" y="1061427"/>
-                  <a:pt x="1766987" y="1072900"/>
-                  <a:pt x="1595846" y="1085065"/>
-                </a:cubicBezTo>
-                <a:cubicBezTo>
-                  <a:pt x="1424705" y="1097230"/>
-                  <a:pt x="1145921" y="1082667"/>
-                  <a:pt x="1021341" y="1085065"/>
-                </a:cubicBezTo>
-                <a:cubicBezTo>
-                  <a:pt x="896762" y="1087463"/>
-                  <a:pt x="704333" y="1073542"/>
-                  <a:pt x="553226" y="1085065"/>
-                </a:cubicBezTo>
-                <a:cubicBezTo>
-                  <a:pt x="402120" y="1096588"/>
-                  <a:pt x="149634" y="1090117"/>
-                  <a:pt x="0" y="1085065"/>
-                </a:cubicBezTo>
-                <a:cubicBezTo>
-                  <a:pt x="21856" y="935562"/>
-                  <a:pt x="-26363" y="762075"/>
-                  <a:pt x="0" y="542533"/>
-                </a:cubicBezTo>
-                <a:cubicBezTo>
-                  <a:pt x="26363" y="322991"/>
-                  <a:pt x="24427" y="211558"/>
-                  <a:pt x="0" y="0"/>
-                </a:cubicBezTo>
-                <a:close/>
-              </a:path>
-            </a:pathLst>
-          </a:custGeom>
-          <a:solidFill>
-            <a:schemeClr val="accent4">
-              <a:lumMod val="60000"/>
-              <a:lumOff val="40000"/>
-            </a:schemeClr>
-          </a:solidFill>
-          <a:ln w="12700">
-            <a:solidFill>
-              <a:schemeClr val="tx1"/>
-            </a:solidFill>
-            <a:extLst>
-              <a:ext uri="{C807C97D-BFC1-408E-A445-0C87EB9F89A2}">
-                <ask:lineSketchStyleProps xmlns:ask="http://schemas.microsoft.com/office/drawing/2018/sketchyshapes" sd="1219033472">
-                  <a:prstGeom prst="rect">
-                    <a:avLst/>
-                  </a:prstGeom>
-                  <ask:type>
-                    <ask:lineSketchFreehand/>
-                  </ask:type>
-                </ask:lineSketchStyleProps>
-              </a:ext>
-            </a:extLst>
-          </a:ln>
-          <a:effectLst/>
-        </p:spPr>
-        <p:style>
-          <a:lnRef idx="1">
-            <a:schemeClr val="accent4"/>
-          </a:lnRef>
-          <a:fillRef idx="2">
-            <a:schemeClr val="accent4"/>
-          </a:fillRef>
-          <a:effectRef idx="1">
-            <a:schemeClr val="accent4"/>
-          </a:effectRef>
-          <a:fontRef idx="minor">
-            <a:schemeClr val="dk1"/>
-          </a:fontRef>
-        </p:style>
-        <p:txBody>
-          <a:bodyPr rtlCol="0" anchor="ctr"/>
-          <a:lstStyle/>
-          <a:p>
-            <a:pPr algn="ctr"/>
-            <a:r>
-              <a:rPr lang="en-US" sz="1600" dirty="0"/>
-              <a:t>Let's see what happens if the user inputs “C++”</a:t>
-            </a:r>
-          </a:p>
-        </p:txBody>
-      </p:sp>
     </p:spTree>
     <p:extLst>
       <p:ext uri="{BB962C8B-B14F-4D97-AF65-F5344CB8AC3E}">
@@ -16576,20 +15717,6 @@
 <file path=ppt/slides/slide6.xml><?xml version="1.0" encoding="utf-8"?>
 <p:sld xmlns:a="http://schemas.openxmlformats.org/drawingml/2006/main" xmlns:r="http://schemas.openxmlformats.org/officeDocument/2006/relationships" xmlns:p="http://schemas.openxmlformats.org/presentationml/2006/main">
   <p:cSld>
-    <p:bg>
-      <p:bgPr>
-        <a:blipFill dpi="0" rotWithShape="1">
-          <a:blip r:embed="rId2">
-            <a:lum/>
-          </a:blip>
-          <a:srcRect/>
-          <a:stretch>
-            <a:fillRect/>
-          </a:stretch>
-        </a:blipFill>
-        <a:effectLst/>
-      </p:bgPr>
-    </p:bg>
     <p:spTree>
       <p:nvGrpSpPr>
         <p:cNvPr id="1" name=""/>
@@ -16659,7 +15786,7 @@
               <p:nvPr/>
             </p:nvPicPr>
             <p:blipFill>
-              <a:blip r:embed="rId3">
+              <a:blip r:embed="rId2">
                 <a:alphaModFix amt="30000"/>
               </a:blip>
               <a:stretch>
@@ -18700,7 +17827,7 @@
             <p:nvPr/>
           </p:nvPicPr>
           <p:blipFill>
-            <a:blip r:embed="rId4">
+            <a:blip r:embed="rId3">
               <a:alphaModFix amt="30000"/>
             </a:blip>
             <a:stretch>
@@ -18871,7 +17998,7 @@
                     </a:schemeClr>
                   </a:solidFill>
                 </a:rPr>
-                <a:t>  WriteLine("Good choice, C# is a fine language.");</a:t>
+                <a:t>    WriteLine("Good choice, C# is a fine language.");</a:t>
               </a:r>
             </a:p>
             <a:p>
@@ -18923,7 +18050,7 @@
               </a:pPr>
               <a:r>
                 <a:rPr lang="en-US" sz="1600" dirty="0"/>
-                <a:t>  WriteLine("Well... good luck with that!");</a:t>
+                <a:t>    WriteLine("Well... good luck with that!");</a:t>
               </a:r>
             </a:p>
             <a:p>
@@ -19043,20 +18170,6 @@
 <file path=ppt/slides/slide7.xml><?xml version="1.0" encoding="utf-8"?>
 <p:sld xmlns:a="http://schemas.openxmlformats.org/drawingml/2006/main" xmlns:r="http://schemas.openxmlformats.org/officeDocument/2006/relationships" xmlns:p="http://schemas.openxmlformats.org/presentationml/2006/main">
   <p:cSld>
-    <p:bg>
-      <p:bgPr>
-        <a:blipFill dpi="0" rotWithShape="1">
-          <a:blip r:embed="rId2">
-            <a:lum/>
-          </a:blip>
-          <a:srcRect/>
-          <a:stretch>
-            <a:fillRect/>
-          </a:stretch>
-        </a:blipFill>
-        <a:effectLst/>
-      </p:bgPr>
-    </p:bg>
     <p:spTree>
       <p:nvGrpSpPr>
         <p:cNvPr id="1" name=""/>
@@ -19126,7 +18239,7 @@
               <p:nvPr/>
             </p:nvPicPr>
             <p:blipFill>
-              <a:blip r:embed="rId3">
+              <a:blip r:embed="rId2">
                 <a:alphaModFix amt="30000"/>
               </a:blip>
               <a:stretch>
@@ -20770,7 +19883,7 @@
             <p:nvPr/>
           </p:nvPicPr>
           <p:blipFill>
-            <a:blip r:embed="rId4">
+            <a:blip r:embed="rId3">
               <a:alphaModFix/>
             </a:blip>
             <a:stretch>
@@ -20941,7 +20054,7 @@
                     </a:schemeClr>
                   </a:solidFill>
                 </a:rPr>
-                <a:t>  WriteLine("Good choice, C# is a fine language.");</a:t>
+                <a:t>    WriteLine("Good choice, C# is a fine language.");</a:t>
               </a:r>
             </a:p>
             <a:p>
@@ -20998,6 +20111,16 @@
                 <a:buAutoNum type="arabicPeriod" startAt="4"/>
               </a:pPr>
               <a:r>
+                <a:rPr lang="en-US" sz="1600">
+                  <a:solidFill>
+                    <a:schemeClr val="bg1">
+                      <a:lumMod val="65000"/>
+                    </a:schemeClr>
+                  </a:solidFill>
+                </a:rPr>
+                <a:t>    WriteLine</a:t>
+              </a:r>
+              <a:r>
                 <a:rPr lang="en-US" sz="1600" dirty="0">
                   <a:solidFill>
                     <a:schemeClr val="bg1">
@@ -21005,7 +20128,7 @@
                     </a:schemeClr>
                   </a:solidFill>
                 </a:rPr>
-                <a:t>  WriteLine("Well... good luck with that!");</a:t>
+                <a:t>("Well... good luck with that!");</a:t>
               </a:r>
             </a:p>
             <a:p>

--- a/resources/ppt-slides/control-flow-if-else-statement.pptx
+++ b/resources/ppt-slides/control-flow-if-else-statement.pptx
@@ -5158,7 +5158,7 @@
             <a:p>
               <a:r>
                 <a:rPr lang="en-US" dirty="0"/>
-                <a:t>C#</a:t>
+                <a:t>C++</a:t>
               </a:r>
             </a:p>
           </p:txBody>
@@ -5266,7 +5266,7 @@
             <a:p>
               <a:r>
                 <a:rPr lang="en-US" dirty="0"/>
-                <a:t>C#</a:t>
+                <a:t>C++</a:t>
               </a:r>
             </a:p>
           </p:txBody>
@@ -5327,7 +5327,7 @@
                     </a:schemeClr>
                   </a:solidFill>
                 </a:rPr>
-                <a:t>Write("What language do you use? ");</a:t>
+                <a:t>write("What language do you use? ");</a:t>
               </a:r>
             </a:p>
             <a:p>
@@ -5353,7 +5353,7 @@
                     </a:schemeClr>
                   </a:solidFill>
                 </a:rPr>
-                <a:t>ReadLine</a:t>
+                <a:t>read_line</a:t>
               </a:r>
               <a:r>
                 <a:rPr lang="en-US" sz="1600" dirty="0">
@@ -5389,7 +5389,7 @@
               </a:pPr>
               <a:r>
                 <a:rPr lang="en-US" sz="1600" dirty="0"/>
-                <a:t>if (language == "C#")</a:t>
+                <a:t>if (language == "C++")</a:t>
               </a:r>
             </a:p>
             <a:p>
@@ -5421,7 +5421,7 @@
                     </a:schemeClr>
                   </a:solidFill>
                 </a:rPr>
-                <a:t>    WriteLine("Good choice, C# is a fine language.");</a:t>
+                <a:t>    write_line("Good choice, C++ is a great language.");</a:t>
               </a:r>
             </a:p>
             <a:p>
@@ -7676,7 +7676,7 @@
           <a:p>
             <a:r>
               <a:rPr lang="en-US" dirty="0"/>
-              <a:t>C#</a:t>
+              <a:t>C++</a:t>
             </a:r>
           </a:p>
         </p:txBody>
@@ -7790,7 +7790,7 @@
                   </a:schemeClr>
                 </a:solidFill>
               </a:rPr>
-              <a:t>C#</a:t>
+              <a:t>C++</a:t>
             </a:r>
           </a:p>
         </p:txBody>
@@ -7851,7 +7851,7 @@
                   </a:schemeClr>
                 </a:solidFill>
               </a:rPr>
-              <a:t>Write("What language do you use? ");</a:t>
+              <a:t>write("What language do you use? ");</a:t>
             </a:r>
           </a:p>
           <a:p>
@@ -7877,7 +7877,7 @@
                   </a:schemeClr>
                 </a:solidFill>
               </a:rPr>
-              <a:t>ReadLine</a:t>
+              <a:t>read_line</a:t>
             </a:r>
             <a:r>
               <a:rPr lang="en-US" sz="1600" dirty="0">
@@ -7919,7 +7919,7 @@
                   </a:schemeClr>
                 </a:solidFill>
               </a:rPr>
-              <a:t>if (language == "C#")</a:t>
+              <a:t>if (language == "C++")</a:t>
             </a:r>
           </a:p>
           <a:p>
@@ -7939,7 +7939,7 @@
             </a:pPr>
             <a:r>
               <a:rPr lang="en-US" sz="1600" dirty="0"/>
-              <a:t>    WriteLine("Good choice, C# is a fine language.");</a:t>
+              <a:t>    write_line("Good choice, C++ is a great language.");</a:t>
             </a:r>
           </a:p>
           <a:p>
@@ -8037,7 +8037,7 @@
           <a:p>
             <a:r>
               <a:rPr lang="en-US" dirty="0"/>
-              <a:t>Good choice, C# is a fine language</a:t>
+              <a:t>Good choice, C++ is a great language</a:t>
             </a:r>
           </a:p>
         </p:txBody>
@@ -9731,7 +9731,7 @@
           <a:p>
             <a:r>
               <a:rPr lang="en-US" dirty="0"/>
-              <a:t>C#</a:t>
+              <a:t>C++</a:t>
             </a:r>
           </a:p>
         </p:txBody>
@@ -9845,7 +9845,7 @@
                   </a:schemeClr>
                 </a:solidFill>
               </a:rPr>
-              <a:t>C#</a:t>
+              <a:t>C++</a:t>
             </a:r>
           </a:p>
         </p:txBody>
@@ -9890,7 +9890,7 @@
                   </a:schemeClr>
                 </a:solidFill>
               </a:rPr>
-              <a:t>if (language == "C#")</a:t>
+              <a:t>if (language == "C++")</a:t>
             </a:r>
           </a:p>
           <a:p>
@@ -9922,7 +9922,7 @@
                   </a:schemeClr>
                 </a:solidFill>
               </a:rPr>
-              <a:t>    WriteLine("Good choice, C# is a fine language.");</a:t>
+              <a:t>    write_line("Good choice, C++ is a great language.");</a:t>
             </a:r>
             <a:endParaRPr lang="en-US" sz="1600" dirty="0"/>
           </a:p>
@@ -9991,7 +9991,7 @@
                   </a:schemeClr>
                 </a:solidFill>
               </a:rPr>
-              <a:t>    WriteLine("Well... good luck with that!");</a:t>
+              <a:t>    write_line("Well... good luck with that!");</a:t>
             </a:r>
           </a:p>
           <a:p>
@@ -10023,7 +10023,7 @@
                   </a:schemeClr>
                 </a:solidFill>
               </a:rPr>
-              <a:t>WriteLine("Great chat!");</a:t>
+              <a:t>write_line("Great chat!");</a:t>
             </a:r>
           </a:p>
         </p:txBody>
@@ -10095,7 +10095,7 @@
           <a:p>
             <a:r>
               <a:rPr lang="en-US" dirty="0"/>
-              <a:t>Good choice, C# is a fine language</a:t>
+              <a:t>Good choice, C++ is a great language</a:t>
             </a:r>
           </a:p>
         </p:txBody>
@@ -12300,7 +12300,7 @@
             <a:p>
               <a:r>
                 <a:rPr lang="en-US" dirty="0"/>
-                <a:t>C#</a:t>
+                <a:t>C++</a:t>
               </a:r>
             </a:p>
           </p:txBody>
@@ -12414,7 +12414,7 @@
                     </a:schemeClr>
                   </a:solidFill>
                 </a:rPr>
-                <a:t>C#</a:t>
+                <a:t>C++</a:t>
               </a:r>
             </a:p>
           </p:txBody>
@@ -12459,7 +12459,7 @@
                     </a:schemeClr>
                   </a:solidFill>
                 </a:rPr>
-                <a:t>if (language == "C#")</a:t>
+                <a:t>if (language == "C++")</a:t>
               </a:r>
             </a:p>
             <a:p>
@@ -12491,7 +12491,7 @@
                     </a:schemeClr>
                   </a:solidFill>
                 </a:rPr>
-                <a:t>    WriteLine("Good choice, C# is a fine language.");</a:t>
+                <a:t>    write_line("Good choice, C++ is a great language.");</a:t>
               </a:r>
             </a:p>
             <a:p>
@@ -12555,7 +12555,7 @@
                     </a:schemeClr>
                   </a:solidFill>
                 </a:rPr>
-                <a:t>    WriteLine("Well... good luck with that!");</a:t>
+                <a:t>    write_line("Well... good luck with that!");</a:t>
               </a:r>
             </a:p>
             <a:p>
@@ -12581,7 +12581,7 @@
               </a:pPr>
               <a:r>
                 <a:rPr lang="en-US" sz="1600" dirty="0"/>
-                <a:t>WriteLine("Great chat!");</a:t>
+                <a:t>write_line("Great chat!");</a:t>
               </a:r>
             </a:p>
           </p:txBody>
@@ -12659,7 +12659,7 @@
                     </a:schemeClr>
                   </a:solidFill>
                 </a:rPr>
-                <a:t>Good choice, C# is a fine language</a:t>
+                <a:t>Good choice, C++ is a great language</a:t>
               </a:r>
             </a:p>
           </p:txBody>
@@ -15378,7 +15378,7 @@
           <a:p>
             <a:r>
               <a:rPr lang="en-US" dirty="0"/>
-              <a:t>C++</a:t>
+              <a:t>C#</a:t>
             </a:r>
           </a:p>
         </p:txBody>
@@ -15492,7 +15492,7 @@
                   </a:schemeClr>
                 </a:solidFill>
               </a:rPr>
-              <a:t>C++</a:t>
+              <a:t>C#</a:t>
             </a:r>
           </a:p>
         </p:txBody>
@@ -15531,7 +15531,7 @@
             </a:pPr>
             <a:r>
               <a:rPr lang="en-US" sz="1600" dirty="0"/>
-              <a:t>if (language == "C#")</a:t>
+              <a:t>if (language == "C++")</a:t>
             </a:r>
           </a:p>
           <a:p>
@@ -15563,7 +15563,7 @@
                   </a:schemeClr>
                 </a:solidFill>
               </a:rPr>
-              <a:t>    WriteLine("Good choice, C# is a fine language.");</a:t>
+              <a:t>    write_line("Good choice, C++ is a great language.");</a:t>
             </a:r>
           </a:p>
           <a:p>
@@ -15627,7 +15627,7 @@
                   </a:schemeClr>
                 </a:solidFill>
               </a:rPr>
-              <a:t>    WriteLine("Well... good luck with that!");</a:t>
+              <a:t>    write_line("Well... good luck with that!");</a:t>
             </a:r>
           </a:p>
           <a:p>
@@ -15659,7 +15659,7 @@
                   </a:schemeClr>
                 </a:solidFill>
               </a:rPr>
-              <a:t>WriteLine("Great chat!");</a:t>
+              <a:t>write_line("Great chat!");</a:t>
             </a:r>
           </a:p>
         </p:txBody>
@@ -17807,7 +17807,7 @@
             <a:p>
               <a:r>
                 <a:rPr lang="en-US" dirty="0"/>
-                <a:t>C++</a:t>
+                <a:t>C#</a:t>
               </a:r>
             </a:p>
           </p:txBody>
@@ -17921,7 +17921,7 @@
                     </a:schemeClr>
                   </a:solidFill>
                 </a:rPr>
-                <a:t>C++</a:t>
+                <a:t>C#</a:t>
               </a:r>
             </a:p>
           </p:txBody>
@@ -17966,7 +17966,7 @@
                     </a:schemeClr>
                   </a:solidFill>
                 </a:rPr>
-                <a:t>if (language == "C#")</a:t>
+                <a:t>if (language == "C++")</a:t>
               </a:r>
             </a:p>
             <a:p>
@@ -17998,7 +17998,7 @@
                     </a:schemeClr>
                   </a:solidFill>
                 </a:rPr>
-                <a:t>    WriteLine("Good choice, C# is a fine language.");</a:t>
+                <a:t>    write_line("Good choice, C++ is a great language.");</a:t>
               </a:r>
             </a:p>
             <a:p>
@@ -18050,7 +18050,7 @@
               </a:pPr>
               <a:r>
                 <a:rPr lang="en-US" sz="1600" dirty="0"/>
-                <a:t>    WriteLine("Well... good luck with that!");</a:t>
+                <a:t>    write_line("Well... good luck with that!");</a:t>
               </a:r>
             </a:p>
             <a:p>
@@ -18076,7 +18076,7 @@
                     </a:schemeClr>
                   </a:solidFill>
                 </a:rPr>
-                <a:t>WriteLine("Great chat!");</a:t>
+                <a:t>write_line("Great chat!");</a:t>
               </a:r>
             </a:p>
           </p:txBody>
@@ -19863,7 +19863,7 @@
             <a:p>
               <a:r>
                 <a:rPr lang="en-US" dirty="0"/>
-                <a:t>C++</a:t>
+                <a:t>C#</a:t>
               </a:r>
             </a:p>
           </p:txBody>
@@ -19977,7 +19977,7 @@
                     </a:schemeClr>
                   </a:solidFill>
                 </a:rPr>
-                <a:t>C++</a:t>
+                <a:t>C#</a:t>
               </a:r>
             </a:p>
           </p:txBody>
@@ -20022,7 +20022,7 @@
                     </a:schemeClr>
                   </a:solidFill>
                 </a:rPr>
-                <a:t>if (language == "C#")</a:t>
+                <a:t>if (language == "C++")</a:t>
               </a:r>
             </a:p>
             <a:p>
@@ -20054,7 +20054,7 @@
                     </a:schemeClr>
                   </a:solidFill>
                 </a:rPr>
-                <a:t>    WriteLine("Good choice, C# is a fine language.");</a:t>
+                <a:t>    write_line("Good choice, C++ is a great language.");</a:t>
               </a:r>
             </a:p>
             <a:p>
@@ -20118,7 +20118,7 @@
                     </a:schemeClr>
                   </a:solidFill>
                 </a:rPr>
-                <a:t>    WriteLine</a:t>
+                <a:t>    write_line</a:t>
               </a:r>
               <a:r>
                 <a:rPr lang="en-US" sz="1600" dirty="0">
@@ -20154,7 +20154,7 @@
               </a:pPr>
               <a:r>
                 <a:rPr lang="en-US" sz="1600" dirty="0"/>
-                <a:t>WriteLine("Great chat!");</a:t>
+                <a:t>write_line("Great chat!");</a:t>
               </a:r>
             </a:p>
           </p:txBody>
